--- a/PPT/Proj1-elements-9C.pptx
+++ b/PPT/Proj1-elements-9C.pptx
@@ -5,38 +5,39 @@
     <p:sldMasterId id="2147483678" r:id="rId1"/>
   </p:sldMasterIdLst>
   <p:notesMasterIdLst>
-    <p:notesMasterId r:id="rId14"/>
+    <p:notesMasterId r:id="rId15"/>
   </p:notesMasterIdLst>
   <p:sldIdLst>
     <p:sldId id="256" r:id="rId2"/>
     <p:sldId id="293" r:id="rId3"/>
     <p:sldId id="298" r:id="rId4"/>
     <p:sldId id="294" r:id="rId5"/>
-    <p:sldId id="295" r:id="rId6"/>
-    <p:sldId id="296" r:id="rId7"/>
-    <p:sldId id="297" r:id="rId8"/>
-    <p:sldId id="299" r:id="rId9"/>
-    <p:sldId id="300" r:id="rId10"/>
-    <p:sldId id="301" r:id="rId11"/>
-    <p:sldId id="302" r:id="rId12"/>
-    <p:sldId id="292" r:id="rId13"/>
+    <p:sldId id="303" r:id="rId6"/>
+    <p:sldId id="295" r:id="rId7"/>
+    <p:sldId id="296" r:id="rId8"/>
+    <p:sldId id="297" r:id="rId9"/>
+    <p:sldId id="299" r:id="rId10"/>
+    <p:sldId id="300" r:id="rId11"/>
+    <p:sldId id="301" r:id="rId12"/>
+    <p:sldId id="302" r:id="rId13"/>
+    <p:sldId id="292" r:id="rId14"/>
   </p:sldIdLst>
   <p:sldSz cx="9144000" cy="5143500" type="screen16x9"/>
   <p:notesSz cx="6858000" cy="9144000"/>
   <p:embeddedFontLst>
     <p:embeddedFont>
       <p:font typeface="Exo" panose="020B0604020202020204" charset="-18"/>
-      <p:regular r:id="rId15"/>
-      <p:bold r:id="rId16"/>
-      <p:italic r:id="rId17"/>
-      <p:boldItalic r:id="rId18"/>
+      <p:regular r:id="rId16"/>
+      <p:bold r:id="rId17"/>
+      <p:italic r:id="rId18"/>
+      <p:boldItalic r:id="rId19"/>
     </p:embeddedFont>
     <p:embeddedFont>
       <p:font typeface="PT Sans" panose="020B0604020202020204" charset="-18"/>
-      <p:regular r:id="rId19"/>
-      <p:bold r:id="rId20"/>
-      <p:italic r:id="rId21"/>
-      <p:boldItalic r:id="rId22"/>
+      <p:regular r:id="rId20"/>
+      <p:bold r:id="rId21"/>
+      <p:italic r:id="rId22"/>
+      <p:boldItalic r:id="rId23"/>
     </p:embeddedFont>
   </p:embeddedFontLst>
   <p:defaultTextStyle>
@@ -31249,8 +31250,8 @@
         </p:nvSpPr>
         <p:spPr>
           <a:xfrm>
-            <a:off x="689212" y="75064"/>
-            <a:ext cx="8168185" cy="1214650"/>
+            <a:off x="689212" y="456646"/>
+            <a:ext cx="8168185" cy="833067"/>
           </a:xfrm>
           <a:solidFill>
             <a:schemeClr val="tx2">
@@ -31264,51 +31265,46 @@
           <a:lstStyle/>
           <a:p>
             <a:r>
-              <a:rPr lang="hu-HU" sz="3600" dirty="0" err="1"/>
-              <a:t>Github</a:t>
-            </a:r>
-            <a:r>
               <a:rPr lang="hu-HU" sz="3600" dirty="0"/>
-              <a:t> statisztika:</a:t>
+              <a:t>GitHub címkék és alkalmazásuk:</a:t>
             </a:r>
           </a:p>
         </p:txBody>
       </p:sp>
-      <p:sp>
-        <p:nvSpPr>
-          <p:cNvPr id="8" name="Alcím 7">
+      <p:pic>
+        <p:nvPicPr>
+          <p:cNvPr id="3" name="Kép 2">
             <a:extLst>
               <a:ext uri="{FF2B5EF4-FFF2-40B4-BE49-F238E27FC236}">
-                <a16:creationId xmlns:a16="http://schemas.microsoft.com/office/drawing/2014/main" id="{30EDDC62-113B-4974-BE4A-AB12004DC0B8}"/>
+                <a16:creationId xmlns:a16="http://schemas.microsoft.com/office/drawing/2014/main" id="{E9D7C950-3DBB-465A-9E21-205D64C2920C}"/>
               </a:ext>
             </a:extLst>
           </p:cNvPr>
-          <p:cNvSpPr>
-            <a:spLocks noGrp="1"/>
-          </p:cNvSpPr>
-          <p:nvPr>
-            <p:ph type="subTitle" idx="1"/>
-          </p:nvPr>
-        </p:nvSpPr>
+          <p:cNvPicPr>
+            <a:picLocks noChangeAspect="1"/>
+          </p:cNvPicPr>
+          <p:nvPr/>
+        </p:nvPicPr>
+        <p:blipFill>
+          <a:blip r:embed="rId3"/>
+          <a:stretch>
+            <a:fillRect/>
+          </a:stretch>
+        </p:blipFill>
         <p:spPr>
           <a:xfrm>
-            <a:off x="1023583" y="1451810"/>
-            <a:ext cx="5767677" cy="833067"/>
+            <a:off x="1543161" y="1364740"/>
+            <a:ext cx="5540027" cy="3696320"/>
           </a:xfrm>
+          <a:prstGeom prst="rect">
+            <a:avLst/>
+          </a:prstGeom>
         </p:spPr>
-        <p:txBody>
-          <a:bodyPr/>
-          <a:lstStyle/>
-          <a:p>
-            <a:pPr marL="0" indent="0" algn="l"/>
-            <a:endParaRPr lang="hu-HU" dirty="0"/>
-          </a:p>
-        </p:txBody>
-      </p:sp>
+      </p:pic>
     </p:spTree>
     <p:extLst>
       <p:ext uri="{BB962C8B-B14F-4D97-AF65-F5344CB8AC3E}">
-        <p14:creationId xmlns:p14="http://schemas.microsoft.com/office/powerpoint/2010/main" val="699478361"/>
+        <p14:creationId xmlns:p14="http://schemas.microsoft.com/office/powerpoint/2010/main" val="3404041169"/>
       </p:ext>
     </p:extLst>
   </p:cSld>
@@ -31412,6 +31408,106 @@
     </p:spTree>
     <p:extLst>
       <p:ext uri="{BB962C8B-B14F-4D97-AF65-F5344CB8AC3E}">
+        <p14:creationId xmlns:p14="http://schemas.microsoft.com/office/powerpoint/2010/main" val="699478361"/>
+      </p:ext>
+    </p:extLst>
+  </p:cSld>
+  <p:clrMapOvr>
+    <a:masterClrMapping/>
+  </p:clrMapOvr>
+</p:sld>
+</file>
+
+<file path=ppt/slides/slide12.xml><?xml version="1.0" encoding="utf-8"?>
+<p:sld xmlns:a="http://schemas.openxmlformats.org/drawingml/2006/main" xmlns:r="http://schemas.openxmlformats.org/officeDocument/2006/relationships" xmlns:p="http://schemas.openxmlformats.org/presentationml/2006/main">
+  <p:cSld>
+    <p:spTree>
+      <p:nvGrpSpPr>
+        <p:cNvPr id="1" name=""/>
+        <p:cNvGrpSpPr/>
+        <p:nvPr/>
+      </p:nvGrpSpPr>
+      <p:grpSpPr>
+        <a:xfrm>
+          <a:off x="0" y="0"/>
+          <a:ext cx="0" cy="0"/>
+          <a:chOff x="0" y="0"/>
+          <a:chExt cx="0" cy="0"/>
+        </a:xfrm>
+      </p:grpSpPr>
+      <p:sp>
+        <p:nvSpPr>
+          <p:cNvPr id="7" name="Cím 6">
+            <a:extLst>
+              <a:ext uri="{FF2B5EF4-FFF2-40B4-BE49-F238E27FC236}">
+                <a16:creationId xmlns:a16="http://schemas.microsoft.com/office/drawing/2014/main" id="{887A229B-B29E-4AE0-9F39-91B7CD737933}"/>
+              </a:ext>
+            </a:extLst>
+          </p:cNvPr>
+          <p:cNvSpPr>
+            <a:spLocks noGrp="1"/>
+          </p:cNvSpPr>
+          <p:nvPr>
+            <p:ph type="ctrTitle"/>
+          </p:nvPr>
+        </p:nvSpPr>
+        <p:spPr>
+          <a:xfrm>
+            <a:off x="689212" y="75064"/>
+            <a:ext cx="8168185" cy="1214650"/>
+          </a:xfrm>
+          <a:solidFill>
+            <a:schemeClr val="tx2">
+              <a:lumMod val="90000"/>
+              <a:lumOff val="10000"/>
+            </a:schemeClr>
+          </a:solidFill>
+        </p:spPr>
+        <p:txBody>
+          <a:bodyPr/>
+          <a:lstStyle/>
+          <a:p>
+            <a:r>
+              <a:rPr lang="hu-HU" sz="3600" dirty="0"/>
+              <a:t>Összefoglalás</a:t>
+            </a:r>
+          </a:p>
+        </p:txBody>
+      </p:sp>
+      <p:sp>
+        <p:nvSpPr>
+          <p:cNvPr id="8" name="Alcím 7">
+            <a:extLst>
+              <a:ext uri="{FF2B5EF4-FFF2-40B4-BE49-F238E27FC236}">
+                <a16:creationId xmlns:a16="http://schemas.microsoft.com/office/drawing/2014/main" id="{30EDDC62-113B-4974-BE4A-AB12004DC0B8}"/>
+              </a:ext>
+            </a:extLst>
+          </p:cNvPr>
+          <p:cNvSpPr>
+            <a:spLocks noGrp="1"/>
+          </p:cNvSpPr>
+          <p:nvPr>
+            <p:ph type="subTitle" idx="1"/>
+          </p:nvPr>
+        </p:nvSpPr>
+        <p:spPr>
+          <a:xfrm>
+            <a:off x="1023583" y="1451810"/>
+            <a:ext cx="5767677" cy="833067"/>
+          </a:xfrm>
+        </p:spPr>
+        <p:txBody>
+          <a:bodyPr/>
+          <a:lstStyle/>
+          <a:p>
+            <a:pPr marL="0" indent="0" algn="l"/>
+            <a:endParaRPr lang="hu-HU" dirty="0"/>
+          </a:p>
+        </p:txBody>
+      </p:sp>
+    </p:spTree>
+    <p:extLst>
+      <p:ext uri="{BB962C8B-B14F-4D97-AF65-F5344CB8AC3E}">
         <p14:creationId xmlns:p14="http://schemas.microsoft.com/office/powerpoint/2010/main" val="3867064179"/>
       </p:ext>
     </p:extLst>
@@ -31422,7 +31518,7 @@
 </p:sld>
 </file>
 
-<file path=ppt/slides/slide12.xml><?xml version="1.0" encoding="utf-8"?>
+<file path=ppt/slides/slide13.xml><?xml version="1.0" encoding="utf-8"?>
 <p:sld xmlns:a="http://schemas.openxmlformats.org/drawingml/2006/main" xmlns:r="http://schemas.openxmlformats.org/officeDocument/2006/relationships" xmlns:p="http://schemas.openxmlformats.org/presentationml/2006/main">
   <p:cSld>
     <p:spTree>
@@ -35265,6 +35361,359 @@
           <a:chExt cx="0" cy="0"/>
         </a:xfrm>
       </p:grpSpPr>
+      <p:pic>
+        <p:nvPicPr>
+          <p:cNvPr id="7" name="Kép 6">
+            <a:extLst>
+              <a:ext uri="{FF2B5EF4-FFF2-40B4-BE49-F238E27FC236}">
+                <a16:creationId xmlns:a16="http://schemas.microsoft.com/office/drawing/2014/main" id="{07A44C0A-2D38-4F05-9B9D-F03B94B6D9DD}"/>
+              </a:ext>
+            </a:extLst>
+          </p:cNvPr>
+          <p:cNvPicPr>
+            <a:picLocks noChangeAspect="1"/>
+          </p:cNvPicPr>
+          <p:nvPr/>
+        </p:nvPicPr>
+        <p:blipFill>
+          <a:blip r:embed="rId2"/>
+          <a:stretch>
+            <a:fillRect/>
+          </a:stretch>
+        </p:blipFill>
+        <p:spPr>
+          <a:xfrm>
+            <a:off x="63616" y="630834"/>
+            <a:ext cx="6258632" cy="4133566"/>
+          </a:xfrm>
+          <a:prstGeom prst="rect">
+            <a:avLst/>
+          </a:prstGeom>
+          <a:ln>
+            <a:noFill/>
+          </a:ln>
+          <a:effectLst>
+            <a:reflection blurRad="12700" stA="30000" endPos="30000" dist="5000" dir="5400000" sy="-100000" algn="bl" rotWithShape="0"/>
+          </a:effectLst>
+          <a:scene3d>
+            <a:camera prst="perspectiveContrastingLeftFacing">
+              <a:rot lat="300000" lon="19800000" rev="0"/>
+            </a:camera>
+            <a:lightRig rig="threePt" dir="t">
+              <a:rot lat="0" lon="0" rev="2700000"/>
+            </a:lightRig>
+          </a:scene3d>
+          <a:sp3d>
+            <a:bevelT w="63500" h="50800"/>
+          </a:sp3d>
+        </p:spPr>
+      </p:pic>
+      <p:pic>
+        <p:nvPicPr>
+          <p:cNvPr id="5" name="Kép 4">
+            <a:extLst>
+              <a:ext uri="{FF2B5EF4-FFF2-40B4-BE49-F238E27FC236}">
+                <a16:creationId xmlns:a16="http://schemas.microsoft.com/office/drawing/2014/main" id="{6ADA0FF6-CF9D-4AF1-A4DE-00B0C2C6DBEB}"/>
+              </a:ext>
+            </a:extLst>
+          </p:cNvPr>
+          <p:cNvPicPr>
+            <a:picLocks noChangeAspect="1"/>
+          </p:cNvPicPr>
+          <p:nvPr/>
+        </p:nvPicPr>
+        <p:blipFill rotWithShape="1">
+          <a:blip r:embed="rId3"/>
+          <a:srcRect l="-4103" t="-6931" r="-5075" b="-5610"/>
+          <a:stretch/>
+        </p:blipFill>
+        <p:spPr>
+          <a:xfrm>
+            <a:off x="986821" y="215747"/>
+            <a:ext cx="7994578" cy="4276135"/>
+          </a:xfrm>
+          <a:prstGeom prst="rect">
+            <a:avLst/>
+          </a:prstGeom>
+          <a:solidFill>
+            <a:srgbClr val="FFFFFF">
+              <a:shade val="85000"/>
+            </a:srgbClr>
+          </a:solidFill>
+          <a:ln w="88900" cap="sq">
+            <a:solidFill>
+              <a:srgbClr val="FFFFFF"/>
+            </a:solidFill>
+            <a:miter lim="800000"/>
+          </a:ln>
+          <a:effectLst>
+            <a:outerShdw blurRad="55000" dist="18000" dir="5400000" algn="tl" rotWithShape="0">
+              <a:srgbClr val="000000">
+                <a:alpha val="40000"/>
+              </a:srgbClr>
+            </a:outerShdw>
+          </a:effectLst>
+          <a:scene3d>
+            <a:camera prst="orthographicFront"/>
+            <a:lightRig rig="twoPt" dir="t">
+              <a:rot lat="0" lon="0" rev="7200000"/>
+            </a:lightRig>
+          </a:scene3d>
+          <a:sp3d>
+            <a:bevelT w="25400" h="19050"/>
+            <a:contourClr>
+              <a:srgbClr val="FFFFFF"/>
+            </a:contourClr>
+          </a:sp3d>
+        </p:spPr>
+      </p:pic>
+      <p:pic>
+        <p:nvPicPr>
+          <p:cNvPr id="3" name="Kép 2">
+            <a:extLst>
+              <a:ext uri="{FF2B5EF4-FFF2-40B4-BE49-F238E27FC236}">
+                <a16:creationId xmlns:a16="http://schemas.microsoft.com/office/drawing/2014/main" id="{FDA00E7C-BF47-4E95-A2C5-9CCACFCBB15D}"/>
+              </a:ext>
+            </a:extLst>
+          </p:cNvPr>
+          <p:cNvPicPr>
+            <a:picLocks noChangeAspect="1"/>
+          </p:cNvPicPr>
+          <p:nvPr/>
+        </p:nvPicPr>
+        <p:blipFill>
+          <a:blip r:embed="rId4"/>
+          <a:stretch>
+            <a:fillRect/>
+          </a:stretch>
+        </p:blipFill>
+        <p:spPr>
+          <a:xfrm>
+            <a:off x="2997770" y="215747"/>
+            <a:ext cx="3873877" cy="4712006"/>
+          </a:xfrm>
+          <a:prstGeom prst="roundRect">
+            <a:avLst>
+              <a:gd name="adj" fmla="val 8594"/>
+            </a:avLst>
+          </a:prstGeom>
+          <a:solidFill>
+            <a:srgbClr val="FFFFFF">
+              <a:shade val="85000"/>
+            </a:srgbClr>
+          </a:solidFill>
+          <a:ln>
+            <a:noFill/>
+          </a:ln>
+          <a:effectLst>
+            <a:reflection blurRad="12700" stA="38000" endPos="28000" dist="5000" dir="5400000" sy="-100000" algn="bl" rotWithShape="0"/>
+          </a:effectLst>
+        </p:spPr>
+      </p:pic>
+    </p:spTree>
+    <p:extLst>
+      <p:ext uri="{BB962C8B-B14F-4D97-AF65-F5344CB8AC3E}">
+        <p14:creationId xmlns:p14="http://schemas.microsoft.com/office/powerpoint/2010/main" val="88962775"/>
+      </p:ext>
+    </p:extLst>
+  </p:cSld>
+  <p:clrMapOvr>
+    <a:masterClrMapping/>
+  </p:clrMapOvr>
+  <p:timing>
+    <p:tnLst>
+      <p:par>
+        <p:cTn id="1" dur="indefinite" restart="never" nodeType="tmRoot">
+          <p:childTnLst>
+            <p:seq concurrent="1" nextAc="seek">
+              <p:cTn id="2" dur="indefinite" nodeType="mainSeq">
+                <p:childTnLst>
+                  <p:par>
+                    <p:cTn id="3" fill="hold">
+                      <p:stCondLst>
+                        <p:cond delay="indefinite"/>
+                      </p:stCondLst>
+                      <p:childTnLst>
+                        <p:par>
+                          <p:cTn id="4" fill="hold">
+                            <p:stCondLst>
+                              <p:cond delay="0"/>
+                            </p:stCondLst>
+                            <p:childTnLst>
+                              <p:par>
+                                <p:cTn id="5" presetID="2" presetClass="entr" presetSubtype="2" fill="hold" nodeType="clickEffect">
+                                  <p:stCondLst>
+                                    <p:cond delay="0"/>
+                                  </p:stCondLst>
+                                  <p:childTnLst>
+                                    <p:set>
+                                      <p:cBhvr>
+                                        <p:cTn id="6" dur="1" fill="hold">
+                                          <p:stCondLst>
+                                            <p:cond delay="0"/>
+                                          </p:stCondLst>
+                                        </p:cTn>
+                                        <p:tgtEl>
+                                          <p:spTgt spid="5"/>
+                                        </p:tgtEl>
+                                        <p:attrNameLst>
+                                          <p:attrName>style.visibility</p:attrName>
+                                        </p:attrNameLst>
+                                      </p:cBhvr>
+                                      <p:to>
+                                        <p:strVal val="visible"/>
+                                      </p:to>
+                                    </p:set>
+                                    <p:anim calcmode="lin" valueType="num">
+                                      <p:cBhvr additive="base">
+                                        <p:cTn id="7" dur="1250" fill="hold"/>
+                                        <p:tgtEl>
+                                          <p:spTgt spid="5"/>
+                                        </p:tgtEl>
+                                        <p:attrNameLst>
+                                          <p:attrName>ppt_x</p:attrName>
+                                        </p:attrNameLst>
+                                      </p:cBhvr>
+                                      <p:tavLst>
+                                        <p:tav tm="0">
+                                          <p:val>
+                                            <p:strVal val="1+#ppt_w/2"/>
+                                          </p:val>
+                                        </p:tav>
+                                        <p:tav tm="100000">
+                                          <p:val>
+                                            <p:strVal val="#ppt_x"/>
+                                          </p:val>
+                                        </p:tav>
+                                      </p:tavLst>
+                                    </p:anim>
+                                    <p:anim calcmode="lin" valueType="num">
+                                      <p:cBhvr additive="base">
+                                        <p:cTn id="8" dur="1250" fill="hold"/>
+                                        <p:tgtEl>
+                                          <p:spTgt spid="5"/>
+                                        </p:tgtEl>
+                                        <p:attrNameLst>
+                                          <p:attrName>ppt_y</p:attrName>
+                                        </p:attrNameLst>
+                                      </p:cBhvr>
+                                      <p:tavLst>
+                                        <p:tav tm="0">
+                                          <p:val>
+                                            <p:strVal val="#ppt_y"/>
+                                          </p:val>
+                                        </p:tav>
+                                        <p:tav tm="100000">
+                                          <p:val>
+                                            <p:strVal val="#ppt_y"/>
+                                          </p:val>
+                                        </p:tav>
+                                      </p:tavLst>
+                                    </p:anim>
+                                  </p:childTnLst>
+                                </p:cTn>
+                              </p:par>
+                            </p:childTnLst>
+                          </p:cTn>
+                        </p:par>
+                      </p:childTnLst>
+                    </p:cTn>
+                  </p:par>
+                  <p:par>
+                    <p:cTn id="9" fill="hold">
+                      <p:stCondLst>
+                        <p:cond delay="indefinite"/>
+                      </p:stCondLst>
+                      <p:childTnLst>
+                        <p:par>
+                          <p:cTn id="10" fill="hold">
+                            <p:stCondLst>
+                              <p:cond delay="0"/>
+                            </p:stCondLst>
+                            <p:childTnLst>
+                              <p:par>
+                                <p:cTn id="11" presetID="4" presetClass="entr" presetSubtype="32" fill="hold" nodeType="clickEffect">
+                                  <p:stCondLst>
+                                    <p:cond delay="0"/>
+                                  </p:stCondLst>
+                                  <p:childTnLst>
+                                    <p:set>
+                                      <p:cBhvr>
+                                        <p:cTn id="12" dur="1" fill="hold">
+                                          <p:stCondLst>
+                                            <p:cond delay="0"/>
+                                          </p:stCondLst>
+                                        </p:cTn>
+                                        <p:tgtEl>
+                                          <p:spTgt spid="3"/>
+                                        </p:tgtEl>
+                                        <p:attrNameLst>
+                                          <p:attrName>style.visibility</p:attrName>
+                                        </p:attrNameLst>
+                                      </p:cBhvr>
+                                      <p:to>
+                                        <p:strVal val="visible"/>
+                                      </p:to>
+                                    </p:set>
+                                    <p:animEffect transition="in" filter="box(out)">
+                                      <p:cBhvr>
+                                        <p:cTn id="13" dur="2000"/>
+                                        <p:tgtEl>
+                                          <p:spTgt spid="3"/>
+                                        </p:tgtEl>
+                                      </p:cBhvr>
+                                    </p:animEffect>
+                                  </p:childTnLst>
+                                </p:cTn>
+                              </p:par>
+                            </p:childTnLst>
+                          </p:cTn>
+                        </p:par>
+                      </p:childTnLst>
+                    </p:cTn>
+                  </p:par>
+                </p:childTnLst>
+              </p:cTn>
+              <p:prevCondLst>
+                <p:cond evt="onPrev" delay="0">
+                  <p:tgtEl>
+                    <p:sldTgt/>
+                  </p:tgtEl>
+                </p:cond>
+              </p:prevCondLst>
+              <p:nextCondLst>
+                <p:cond evt="onNext" delay="0">
+                  <p:tgtEl>
+                    <p:sldTgt/>
+                  </p:tgtEl>
+                </p:cond>
+              </p:nextCondLst>
+            </p:seq>
+          </p:childTnLst>
+        </p:cTn>
+      </p:par>
+    </p:tnLst>
+  </p:timing>
+</p:sld>
+</file>
+
+<file path=ppt/slides/slide6.xml><?xml version="1.0" encoding="utf-8"?>
+<p:sld xmlns:a="http://schemas.openxmlformats.org/drawingml/2006/main" xmlns:r="http://schemas.openxmlformats.org/officeDocument/2006/relationships" xmlns:p="http://schemas.openxmlformats.org/presentationml/2006/main">
+  <p:cSld>
+    <p:spTree>
+      <p:nvGrpSpPr>
+        <p:cNvPr id="1" name=""/>
+        <p:cNvGrpSpPr/>
+        <p:nvPr/>
+      </p:nvGrpSpPr>
+      <p:grpSpPr>
+        <a:xfrm>
+          <a:off x="0" y="0"/>
+          <a:ext cx="0" cy="0"/>
+          <a:chOff x="0" y="0"/>
+          <a:chExt cx="0" cy="0"/>
+        </a:xfrm>
+      </p:grpSpPr>
       <p:sp>
         <p:nvSpPr>
           <p:cNvPr id="7" name="Cím 6">
@@ -35751,7 +36200,7 @@
 </p:sld>
 </file>
 
-<file path=ppt/slides/slide6.xml><?xml version="1.0" encoding="utf-8"?>
+<file path=ppt/slides/slide7.xml><?xml version="1.0" encoding="utf-8"?>
 <p:sld xmlns:a="http://schemas.openxmlformats.org/drawingml/2006/main" xmlns:r="http://schemas.openxmlformats.org/officeDocument/2006/relationships" xmlns:p="http://schemas.openxmlformats.org/presentationml/2006/main">
   <p:cSld>
     <p:spTree>
@@ -35982,7 +36431,7 @@
 </p:sld>
 </file>
 
-<file path=ppt/slides/slide7.xml><?xml version="1.0" encoding="utf-8"?>
+<file path=ppt/slides/slide8.xml><?xml version="1.0" encoding="utf-8"?>
 <p:sld xmlns:a="http://schemas.openxmlformats.org/drawingml/2006/main" xmlns:r="http://schemas.openxmlformats.org/officeDocument/2006/relationships" xmlns:p="http://schemas.openxmlformats.org/presentationml/2006/main">
   <p:cSld>
     <p:spTree>
@@ -36085,7 +36534,7 @@
 </p:sld>
 </file>
 
-<file path=ppt/slides/slide8.xml><?xml version="1.0" encoding="utf-8"?>
+<file path=ppt/slides/slide9.xml><?xml version="1.0" encoding="utf-8"?>
 <p:sld xmlns:a="http://schemas.openxmlformats.org/drawingml/2006/main" xmlns:r="http://schemas.openxmlformats.org/officeDocument/2006/relationships" xmlns:p="http://schemas.openxmlformats.org/presentationml/2006/main">
   <p:cSld>
     <p:spTree>
@@ -36179,105 +36628,6 @@
     <p:extLst>
       <p:ext uri="{BB962C8B-B14F-4D97-AF65-F5344CB8AC3E}">
         <p14:creationId xmlns:p14="http://schemas.microsoft.com/office/powerpoint/2010/main" val="2721951362"/>
-      </p:ext>
-    </p:extLst>
-  </p:cSld>
-  <p:clrMapOvr>
-    <a:masterClrMapping/>
-  </p:clrMapOvr>
-</p:sld>
-</file>
-
-<file path=ppt/slides/slide9.xml><?xml version="1.0" encoding="utf-8"?>
-<p:sld xmlns:a="http://schemas.openxmlformats.org/drawingml/2006/main" xmlns:r="http://schemas.openxmlformats.org/officeDocument/2006/relationships" xmlns:p="http://schemas.openxmlformats.org/presentationml/2006/main">
-  <p:cSld>
-    <p:spTree>
-      <p:nvGrpSpPr>
-        <p:cNvPr id="1" name=""/>
-        <p:cNvGrpSpPr/>
-        <p:nvPr/>
-      </p:nvGrpSpPr>
-      <p:grpSpPr>
-        <a:xfrm>
-          <a:off x="0" y="0"/>
-          <a:ext cx="0" cy="0"/>
-          <a:chOff x="0" y="0"/>
-          <a:chExt cx="0" cy="0"/>
-        </a:xfrm>
-      </p:grpSpPr>
-      <p:sp>
-        <p:nvSpPr>
-          <p:cNvPr id="7" name="Cím 6">
-            <a:extLst>
-              <a:ext uri="{FF2B5EF4-FFF2-40B4-BE49-F238E27FC236}">
-                <a16:creationId xmlns:a16="http://schemas.microsoft.com/office/drawing/2014/main" id="{887A229B-B29E-4AE0-9F39-91B7CD737933}"/>
-              </a:ext>
-            </a:extLst>
-          </p:cNvPr>
-          <p:cNvSpPr>
-            <a:spLocks noGrp="1"/>
-          </p:cNvSpPr>
-          <p:nvPr>
-            <p:ph type="ctrTitle"/>
-          </p:nvPr>
-        </p:nvSpPr>
-        <p:spPr>
-          <a:xfrm>
-            <a:off x="689212" y="456646"/>
-            <a:ext cx="8168185" cy="833067"/>
-          </a:xfrm>
-          <a:solidFill>
-            <a:schemeClr val="tx2">
-              <a:lumMod val="90000"/>
-              <a:lumOff val="10000"/>
-            </a:schemeClr>
-          </a:solidFill>
-        </p:spPr>
-        <p:txBody>
-          <a:bodyPr/>
-          <a:lstStyle/>
-          <a:p>
-            <a:r>
-              <a:rPr lang="hu-HU" sz="3600" dirty="0"/>
-              <a:t>GitHub címkék és alkalmazásuk:</a:t>
-            </a:r>
-          </a:p>
-        </p:txBody>
-      </p:sp>
-      <p:pic>
-        <p:nvPicPr>
-          <p:cNvPr id="3" name="Kép 2">
-            <a:extLst>
-              <a:ext uri="{FF2B5EF4-FFF2-40B4-BE49-F238E27FC236}">
-                <a16:creationId xmlns:a16="http://schemas.microsoft.com/office/drawing/2014/main" id="{E9D7C950-3DBB-465A-9E21-205D64C2920C}"/>
-              </a:ext>
-            </a:extLst>
-          </p:cNvPr>
-          <p:cNvPicPr>
-            <a:picLocks noChangeAspect="1"/>
-          </p:cNvPicPr>
-          <p:nvPr/>
-        </p:nvPicPr>
-        <p:blipFill>
-          <a:blip r:embed="rId3"/>
-          <a:stretch>
-            <a:fillRect/>
-          </a:stretch>
-        </p:blipFill>
-        <p:spPr>
-          <a:xfrm>
-            <a:off x="1543161" y="1364740"/>
-            <a:ext cx="5540027" cy="3696320"/>
-          </a:xfrm>
-          <a:prstGeom prst="rect">
-            <a:avLst/>
-          </a:prstGeom>
-        </p:spPr>
-      </p:pic>
-    </p:spTree>
-    <p:extLst>
-      <p:ext uri="{BB962C8B-B14F-4D97-AF65-F5344CB8AC3E}">
-        <p14:creationId xmlns:p14="http://schemas.microsoft.com/office/powerpoint/2010/main" val="3404041169"/>
       </p:ext>
     </p:extLst>
   </p:cSld>

--- a/PPT/Proj1-elements-9C.pptx
+++ b/PPT/Proj1-elements-9C.pptx
@@ -33,7 +33,7 @@
       <p:boldItalic r:id="rId19"/>
     </p:embeddedFont>
     <p:embeddedFont>
-      <p:font typeface="PT Sans" panose="020B0604020202020204" charset="-18"/>
+      <p:font typeface="PT Sans" panose="020B0604020202020204" pitchFamily="34" charset="-18"/>
       <p:regular r:id="rId20"/>
       <p:bold r:id="rId21"/>
       <p:italic r:id="rId22"/>
@@ -31374,37 +31374,36 @@
           </a:p>
         </p:txBody>
       </p:sp>
-      <p:sp>
-        <p:nvSpPr>
-          <p:cNvPr id="8" name="Alcím 7">
+      <p:pic>
+        <p:nvPicPr>
+          <p:cNvPr id="3" name="Kép 2" descr="A képen diagram látható&#10;&#10;Automatikusan generált leírás">
             <a:extLst>
               <a:ext uri="{FF2B5EF4-FFF2-40B4-BE49-F238E27FC236}">
-                <a16:creationId xmlns:a16="http://schemas.microsoft.com/office/drawing/2014/main" id="{30EDDC62-113B-4974-BE4A-AB12004DC0B8}"/>
+                <a16:creationId xmlns:a16="http://schemas.microsoft.com/office/drawing/2014/main" id="{C7F5F852-6C74-6351-F09D-CB438CA2B2F2}"/>
               </a:ext>
             </a:extLst>
           </p:cNvPr>
-          <p:cNvSpPr>
-            <a:spLocks noGrp="1"/>
-          </p:cNvSpPr>
-          <p:nvPr>
-            <p:ph type="subTitle" idx="1"/>
-          </p:nvPr>
-        </p:nvSpPr>
+          <p:cNvPicPr>
+            <a:picLocks noChangeAspect="1"/>
+          </p:cNvPicPr>
+          <p:nvPr/>
+        </p:nvPicPr>
+        <p:blipFill>
+          <a:blip r:embed="rId3"/>
+          <a:stretch>
+            <a:fillRect/>
+          </a:stretch>
+        </p:blipFill>
         <p:spPr>
           <a:xfrm>
-            <a:off x="1023583" y="1451810"/>
-            <a:ext cx="5767677" cy="833067"/>
+            <a:off x="528045" y="0"/>
+            <a:ext cx="7926744" cy="5143500"/>
           </a:xfrm>
+          <a:prstGeom prst="rect">
+            <a:avLst/>
+          </a:prstGeom>
         </p:spPr>
-        <p:txBody>
-          <a:bodyPr/>
-          <a:lstStyle/>
-          <a:p>
-            <a:pPr marL="0" indent="0" algn="l"/>
-            <a:endParaRPr lang="hu-HU" dirty="0"/>
-          </a:p>
-        </p:txBody>
-      </p:sp>
+      </p:pic>
     </p:spTree>
     <p:extLst>
       <p:ext uri="{BB962C8B-B14F-4D97-AF65-F5344CB8AC3E}">
@@ -31415,6 +31414,135 @@
   <p:clrMapOvr>
     <a:masterClrMapping/>
   </p:clrMapOvr>
+  <p:timing>
+    <p:tnLst>
+      <p:par>
+        <p:cTn id="1" dur="indefinite" restart="never" nodeType="tmRoot">
+          <p:childTnLst>
+            <p:seq concurrent="1" nextAc="seek">
+              <p:cTn id="2" dur="indefinite" nodeType="mainSeq">
+                <p:childTnLst>
+                  <p:par>
+                    <p:cTn id="3" fill="hold">
+                      <p:stCondLst>
+                        <p:cond delay="indefinite"/>
+                      </p:stCondLst>
+                      <p:childTnLst>
+                        <p:par>
+                          <p:cTn id="4" fill="hold">
+                            <p:stCondLst>
+                              <p:cond delay="0"/>
+                            </p:stCondLst>
+                            <p:childTnLst>
+                              <p:par>
+                                <p:cTn id="5" presetID="45" presetClass="entr" presetSubtype="0" fill="hold" nodeType="clickEffect">
+                                  <p:stCondLst>
+                                    <p:cond delay="0"/>
+                                  </p:stCondLst>
+                                  <p:childTnLst>
+                                    <p:set>
+                                      <p:cBhvr>
+                                        <p:cTn id="6" dur="1" fill="hold">
+                                          <p:stCondLst>
+                                            <p:cond delay="0"/>
+                                          </p:stCondLst>
+                                        </p:cTn>
+                                        <p:tgtEl>
+                                          <p:spTgt spid="3"/>
+                                        </p:tgtEl>
+                                        <p:attrNameLst>
+                                          <p:attrName>style.visibility</p:attrName>
+                                        </p:attrNameLst>
+                                      </p:cBhvr>
+                                      <p:to>
+                                        <p:strVal val="visible"/>
+                                      </p:to>
+                                    </p:set>
+                                    <p:animEffect transition="in" filter="fade">
+                                      <p:cBhvr>
+                                        <p:cTn id="7" dur="2000"/>
+                                        <p:tgtEl>
+                                          <p:spTgt spid="3"/>
+                                        </p:tgtEl>
+                                      </p:cBhvr>
+                                    </p:animEffect>
+                                    <p:anim calcmode="lin" valueType="num">
+                                      <p:cBhvr>
+                                        <p:cTn id="8" dur="2000" fill="hold"/>
+                                        <p:tgtEl>
+                                          <p:spTgt spid="3"/>
+                                        </p:tgtEl>
+                                        <p:attrNameLst>
+                                          <p:attrName>ppt_w</p:attrName>
+                                        </p:attrNameLst>
+                                      </p:cBhvr>
+                                      <p:tavLst>
+                                        <p:tav tm="0" fmla="#ppt_w*sin(2.5*pi*$)">
+                                          <p:val>
+                                            <p:fltVal val="0"/>
+                                          </p:val>
+                                        </p:tav>
+                                        <p:tav tm="100000">
+                                          <p:val>
+                                            <p:fltVal val="1"/>
+                                          </p:val>
+                                        </p:tav>
+                                      </p:tavLst>
+                                    </p:anim>
+                                    <p:anim calcmode="lin" valueType="num">
+                                      <p:cBhvr>
+                                        <p:cTn id="9" dur="2000" fill="hold"/>
+                                        <p:tgtEl>
+                                          <p:spTgt spid="3"/>
+                                        </p:tgtEl>
+                                        <p:attrNameLst>
+                                          <p:attrName>ppt_h</p:attrName>
+                                        </p:attrNameLst>
+                                      </p:cBhvr>
+                                      <p:tavLst>
+                                        <p:tav tm="0">
+                                          <p:val>
+                                            <p:strVal val="#ppt_h"/>
+                                          </p:val>
+                                        </p:tav>
+                                        <p:tav tm="100000">
+                                          <p:val>
+                                            <p:strVal val="#ppt_h"/>
+                                          </p:val>
+                                        </p:tav>
+                                      </p:tavLst>
+                                    </p:anim>
+                                  </p:childTnLst>
+                                </p:cTn>
+                              </p:par>
+                            </p:childTnLst>
+                          </p:cTn>
+                        </p:par>
+                      </p:childTnLst>
+                    </p:cTn>
+                  </p:par>
+                </p:childTnLst>
+              </p:cTn>
+              <p:prevCondLst>
+                <p:cond evt="onPrev" delay="0">
+                  <p:tgtEl>
+                    <p:sldTgt/>
+                  </p:tgtEl>
+                </p:cond>
+              </p:prevCondLst>
+              <p:nextCondLst>
+                <p:cond evt="onNext" delay="0">
+                  <p:tgtEl>
+                    <p:sldTgt/>
+                  </p:tgtEl>
+                </p:cond>
+              </p:nextCondLst>
+            </p:seq>
+          </p:childTnLst>
+        </p:cTn>
+      </p:par>
+    </p:tnLst>
+  </p:timing>
 </p:sld>
 </file>
 
